--- a/Digital Portfolio.pptx
+++ b/Digital Portfolio.pptx
@@ -151,9 +151,68 @@
 <file path=ppt/revisionInfo.xml><?xml version="1.0" encoding="utf-8"?>
 <p1510:revInfo xmlns:a="http://schemas.openxmlformats.org/drawingml/2006/main" xmlns:r="http://schemas.openxmlformats.org/officeDocument/2006/relationships" xmlns:p1510="http://schemas.microsoft.com/office/powerpoint/2015/10/main">
   <p1510:revLst>
-    <p1510:client id="{B7C3D9CC-52A4-7BB9-5926-A17EAD909109}" v="32" dt="2024-12-19T12:09:51.903"/>
+    <p1510:client id="{BCDA5F66-89AD-4272-B867-E4AC2978CC1D}" v="4" dt="2025-09-22T11:40:54.538"/>
   </p1510:revLst>
 </p1510:revInfo>
+</file>
+
+<file path=ppt/changesInfos/changesInfo1.xml><?xml version="1.0" encoding="utf-8"?>
+<pc:chgInfo xmlns:a="http://schemas.openxmlformats.org/drawingml/2006/main" xmlns:r="http://schemas.openxmlformats.org/officeDocument/2006/relationships" xmlns:ac="http://schemas.microsoft.com/office/drawing/2013/main/command" xmlns:pc="http://schemas.microsoft.com/office/powerpoint/2013/main/command">
+  <pc:docChgLst>
+    <pc:chgData name="Satyasree Chakka" userId="56cea213fd73e2d6" providerId="LiveId" clId="{28CAE4CB-9525-4D18-94C0-A694F60535FC}"/>
+    <pc:docChg chg="modSld">
+      <pc:chgData name="Satyasree Chakka" userId="56cea213fd73e2d6" providerId="LiveId" clId="{28CAE4CB-9525-4D18-94C0-A694F60535FC}" dt="2025-09-22T11:41:01.609" v="46" actId="113"/>
+      <pc:docMkLst>
+        <pc:docMk/>
+      </pc:docMkLst>
+      <pc:sldChg chg="modSp mod">
+        <pc:chgData name="Satyasree Chakka" userId="56cea213fd73e2d6" providerId="LiveId" clId="{28CAE4CB-9525-4D18-94C0-A694F60535FC}" dt="2025-09-22T11:18:20.353" v="12"/>
+        <pc:sldMkLst>
+          <pc:docMk/>
+          <pc:sldMk cId="953325580" sldId="256"/>
+        </pc:sldMkLst>
+        <pc:spChg chg="mod">
+          <ac:chgData name="Satyasree Chakka" userId="56cea213fd73e2d6" providerId="LiveId" clId="{28CAE4CB-9525-4D18-94C0-A694F60535FC}" dt="2025-09-22T11:18:20.353" v="12"/>
+          <ac:spMkLst>
+            <pc:docMk/>
+            <pc:sldMk cId="953325580" sldId="256"/>
+            <ac:spMk id="4" creationId="{00000000-0000-0000-0000-000000000000}"/>
+          </ac:spMkLst>
+        </pc:spChg>
+      </pc:sldChg>
+      <pc:sldChg chg="modSp mod">
+        <pc:chgData name="Satyasree Chakka" userId="56cea213fd73e2d6" providerId="LiveId" clId="{28CAE4CB-9525-4D18-94C0-A694F60535FC}" dt="2025-09-22T11:31:43.886" v="24" actId="20577"/>
+        <pc:sldMkLst>
+          <pc:docMk/>
+          <pc:sldMk cId="614882681" sldId="2146847055"/>
+        </pc:sldMkLst>
+        <pc:spChg chg="mod">
+          <ac:chgData name="Satyasree Chakka" userId="56cea213fd73e2d6" providerId="LiveId" clId="{28CAE4CB-9525-4D18-94C0-A694F60535FC}" dt="2025-09-22T11:31:43.886" v="24" actId="20577"/>
+          <ac:spMkLst>
+            <pc:docMk/>
+            <pc:sldMk cId="614882681" sldId="2146847055"/>
+            <ac:spMk id="5" creationId="{3F968F13-9AC4-7120-7ACD-9F752C767D5D}"/>
+          </ac:spMkLst>
+        </pc:spChg>
+      </pc:sldChg>
+      <pc:sldChg chg="modSp mod">
+        <pc:chgData name="Satyasree Chakka" userId="56cea213fd73e2d6" providerId="LiveId" clId="{28CAE4CB-9525-4D18-94C0-A694F60535FC}" dt="2025-09-22T11:41:01.609" v="46" actId="113"/>
+        <pc:sldMkLst>
+          <pc:docMk/>
+          <pc:sldMk cId="215545497" sldId="2146847069"/>
+        </pc:sldMkLst>
+        <pc:spChg chg="mod">
+          <ac:chgData name="Satyasree Chakka" userId="56cea213fd73e2d6" providerId="LiveId" clId="{28CAE4CB-9525-4D18-94C0-A694F60535FC}" dt="2025-09-22T11:41:01.609" v="46" actId="113"/>
+          <ac:spMkLst>
+            <pc:docMk/>
+            <pc:sldMk cId="215545497" sldId="2146847069"/>
+            <ac:spMk id="3" creationId="{CFA35EA3-5EAA-E13F-3B64-D6BFF52A95D8}"/>
+          </ac:spMkLst>
+        </pc:spChg>
+      </pc:sldChg>
+    </pc:docChg>
+  </pc:docChgLst>
+</pc:chgInfo>
 </file>
 
 <file path=ppt/notesMasters/notesMaster1.xml><?xml version="1.0" encoding="utf-8"?>
@@ -238,7 +297,7 @@
           <a:p>
             <a:fld id="{46256A78-79A6-408F-8148-4F87BB81602D}" type="datetimeFigureOut">
               <a:rPr lang="en-IN" smtClean="0"/>
-              <a:t>20-09-2025</a:t>
+              <a:t>22-09-2025</a:t>
             </a:fld>
             <a:endParaRPr lang="en-IN"/>
           </a:p>
@@ -742,7 +801,7 @@
           <a:p>
             <a:fld id="{ED291B17-9318-49DB-B28B-6E5994AE9581}" type="datetime1">
               <a:rPr lang="en-US" smtClean="0"/>
-              <a:t>9/20/2025</a:t>
+              <a:t>9/22/2025</a:t>
             </a:fld>
             <a:endParaRPr lang="en-US"/>
           </a:p>
@@ -951,7 +1010,7 @@
           <a:p>
             <a:fld id="{2CED4963-E985-44C4-B8C4-FDD613B7C2F8}" type="datetime1">
               <a:rPr lang="en-US" smtClean="0"/>
-              <a:t>9/20/2025</a:t>
+              <a:t>9/22/2025</a:t>
             </a:fld>
             <a:endParaRPr lang="en-US"/>
           </a:p>
@@ -1319,7 +1378,7 @@
           <a:p>
             <a:fld id="{ED291B17-9318-49DB-B28B-6E5994AE9581}" type="datetime1">
               <a:rPr lang="en-US" smtClean="0"/>
-              <a:t>9/20/2025</a:t>
+              <a:t>9/22/2025</a:t>
             </a:fld>
             <a:endParaRPr lang="en-US"/>
           </a:p>
@@ -1523,7 +1582,7 @@
           <a:p>
             <a:fld id="{78DD82B9-B8EE-4375-B6FF-88FA6ABB15D9}" type="datetime1">
               <a:rPr lang="en-US" smtClean="0"/>
-              <a:t>9/20/2025</a:t>
+              <a:t>9/22/2025</a:t>
             </a:fld>
             <a:endParaRPr lang="en-US"/>
           </a:p>
@@ -1780,7 +1839,7 @@
           <a:p>
             <a:fld id="{B2497495-0637-405E-AE64-5CC7506D51F5}" type="datetime1">
               <a:rPr lang="en-US" smtClean="0"/>
-              <a:t>9/20/2025</a:t>
+              <a:t>9/22/2025</a:t>
             </a:fld>
             <a:endParaRPr lang="en-US"/>
           </a:p>
@@ -2038,7 +2097,7 @@
           <a:p>
             <a:fld id="{7BFFD690-9426-415D-8B65-26881E07B2D4}" type="datetime1">
               <a:rPr lang="en-US" smtClean="0"/>
-              <a:t>9/20/2025</a:t>
+              <a:t>9/22/2025</a:t>
             </a:fld>
             <a:endParaRPr lang="en-US"/>
           </a:p>
@@ -2465,7 +2524,7 @@
           <a:p>
             <a:fld id="{04C4989A-474C-40DE-95B9-011C28B71673}" type="datetime1">
               <a:rPr lang="en-US" smtClean="0"/>
-              <a:t>9/20/2025</a:t>
+              <a:t>9/22/2025</a:t>
             </a:fld>
             <a:endParaRPr lang="en-US"/>
           </a:p>
@@ -2595,7 +2654,7 @@
           <a:p>
             <a:fld id="{5DB4ED54-5B5E-4A04-93D3-5772E3CE3818}" type="datetime1">
               <a:rPr lang="en-US" smtClean="0"/>
-              <a:t>9/20/2025</a:t>
+              <a:t>9/22/2025</a:t>
             </a:fld>
             <a:endParaRPr lang="en-US"/>
           </a:p>
@@ -2698,7 +2757,7 @@
           <a:p>
             <a:fld id="{4EDE50D6-574B-40AF-946F-D52A04ADE379}" type="datetime1">
               <a:rPr lang="en-US" smtClean="0"/>
-              <a:t>9/20/2025</a:t>
+              <a:t>9/22/2025</a:t>
             </a:fld>
             <a:endParaRPr lang="en-US"/>
           </a:p>
@@ -3081,7 +3140,7 @@
           <a:p>
             <a:fld id="{D82884F1-FFEA-405F-9602-3DCA865EDA4E}" type="datetime1">
               <a:rPr lang="en-US" smtClean="0"/>
-              <a:t>9/20/2025</a:t>
+              <a:t>9/22/2025</a:t>
             </a:fld>
             <a:endParaRPr lang="en-US"/>
           </a:p>
@@ -3375,7 +3434,7 @@
           <a:p>
             <a:fld id="{7E18DB4A-8810-4A10-AD5C-D5E2C667F5B3}" type="datetime1">
               <a:rPr lang="en-US" smtClean="0"/>
-              <a:t>9/20/2025</a:t>
+              <a:t>9/22/2025</a:t>
             </a:fld>
             <a:endParaRPr lang="en-US"/>
           </a:p>
@@ -3596,7 +3655,7 @@
           <a:p>
             <a:fld id="{ED291B17-9318-49DB-B28B-6E5994AE9581}" type="datetime1">
               <a:rPr lang="en-US" smtClean="0"/>
-              <a:t>9/20/2025</a:t>
+              <a:t>9/22/2025</a:t>
             </a:fld>
             <a:endParaRPr lang="en-US"/>
           </a:p>
@@ -4309,7 +4368,7 @@
         <p:spPr>
           <a:xfrm>
             <a:off x="1848464" y="4178710"/>
-            <a:ext cx="8654643" cy="1015663"/>
+            <a:ext cx="8654643" cy="1323439"/>
           </a:xfrm>
           <a:prstGeom prst="rect">
             <a:avLst/>
@@ -4347,6 +4406,20 @@
                 <a:cs typeface="Arial"/>
               </a:rPr>
               <a:t>Chakka Satyasree-Malla Reddy College of Engineering for Women-CSE</a:t>
+            </a:r>
+          </a:p>
+          <a:p>
+            <a:r>
+              <a:rPr lang="en-US" sz="2000" b="1" dirty="0">
+                <a:solidFill>
+                  <a:schemeClr val="accent1">
+                    <a:lumMod val="75000"/>
+                  </a:schemeClr>
+                </a:solidFill>
+                <a:latin typeface="Arial"/>
+                <a:cs typeface="Arial"/>
+              </a:rPr>
+              <a:t>AICTE ID : STU65b273ddd1b2f1706193885</a:t>
             </a:r>
           </a:p>
         </p:txBody>
@@ -5352,9 +5425,33 @@
                 <a:latin typeface="Calibri" panose="020F0502020204030204" pitchFamily="34" charset="0"/>
                 <a:ea typeface="Calibri" panose="020F0502020204030204" pitchFamily="34" charset="0"/>
                 <a:cs typeface="Calibri" panose="020F0502020204030204" pitchFamily="34" charset="0"/>
-                <a:hlinkClick r:id="rId2" action="ppaction://hlinkfile"/>
+                <a:hlinkClick r:id="rId2"/>
               </a:rPr>
               <a:t>https://github.com/Chsatyasree3/portfolio</a:t>
+            </a:r>
+            <a:endParaRPr lang="en-IN" sz="3200" dirty="0">
+              <a:latin typeface="Calibri" panose="020F0502020204030204" pitchFamily="34" charset="0"/>
+              <a:ea typeface="Calibri" panose="020F0502020204030204" pitchFamily="34" charset="0"/>
+              <a:cs typeface="Calibri" panose="020F0502020204030204" pitchFamily="34" charset="0"/>
+            </a:endParaRPr>
+          </a:p>
+          <a:p>
+            <a:r>
+              <a:rPr lang="en-IN" sz="3200" b="1" dirty="0">
+                <a:latin typeface="Calibri" panose="020F0502020204030204" pitchFamily="34" charset="0"/>
+                <a:ea typeface="Calibri" panose="020F0502020204030204" pitchFamily="34" charset="0"/>
+                <a:cs typeface="Calibri" panose="020F0502020204030204" pitchFamily="34" charset="0"/>
+              </a:rPr>
+              <a:t>Project Link : </a:t>
+            </a:r>
+            <a:r>
+              <a:rPr lang="en-IN" sz="3200" dirty="0">
+                <a:latin typeface="Calibri" panose="020F0502020204030204" pitchFamily="34" charset="0"/>
+                <a:ea typeface="Calibri" panose="020F0502020204030204" pitchFamily="34" charset="0"/>
+                <a:cs typeface="Calibri" panose="020F0502020204030204" pitchFamily="34" charset="0"/>
+                <a:hlinkClick r:id="rId3"/>
+              </a:rPr>
+              <a:t>https://chsatyasree3.github.io/portfolio/</a:t>
             </a:r>
             <a:endParaRPr lang="en-IN" sz="3200" dirty="0">
               <a:latin typeface="Calibri" panose="020F0502020204030204" pitchFamily="34" charset="0"/>
@@ -6091,7 +6188,7 @@
                 <a:latin typeface="Arial"/>
                 <a:cs typeface="Arial"/>
               </a:rPr>
-              <a:t>Future scope(Optional)</a:t>
+              <a:t>Future scope</a:t>
             </a:r>
           </a:p>
         </p:txBody>
@@ -10084,21 +10181,21 @@
 </file>
 
 <file path=customXml/item1.xml><?xml version="1.0" encoding="utf-8"?>
+<p:properties xmlns:p="http://schemas.microsoft.com/office/2006/metadata/properties" xmlns:xsi="http://www.w3.org/2001/XMLSchema-instance" xmlns:pc="http://schemas.microsoft.com/office/infopath/2007/PartnerControls">
+  <documentManagement>
+    <MediaServiceKeyPoints xmlns="9162bd5b-4ed9-4da3-b376-05204580ba3f" xsi:nil="true"/>
+    <_activity xmlns="9162bd5b-4ed9-4da3-b376-05204580ba3f" xsi:nil="true"/>
+  </documentManagement>
+</p:properties>
+</file>
+
+<file path=customXml/item2.xml><?xml version="1.0" encoding="utf-8"?>
 <?mso-contentType ?>
 <FormTemplates xmlns="http://schemas.microsoft.com/sharepoint/v3/contenttype/forms">
   <Display>DocumentLibraryForm</Display>
   <Edit>DocumentLibraryForm</Edit>
   <New>DocumentLibraryForm</New>
 </FormTemplates>
-</file>
-
-<file path=customXml/item2.xml><?xml version="1.0" encoding="utf-8"?>
-<p:properties xmlns:p="http://schemas.microsoft.com/office/2006/metadata/properties" xmlns:xsi="http://www.w3.org/2001/XMLSchema-instance" xmlns:pc="http://schemas.microsoft.com/office/infopath/2007/PartnerControls">
-  <documentManagement>
-    <MediaServiceKeyPoints xmlns="9162bd5b-4ed9-4da3-b376-05204580ba3f" xsi:nil="true"/>
-    <_activity xmlns="9162bd5b-4ed9-4da3-b376-05204580ba3f" xsi:nil="true"/>
-  </documentManagement>
-</p:properties>
 </file>
 
 <file path=customXml/item3.xml><?xml version="1.0" encoding="utf-8"?>
@@ -10349,14 +10446,6 @@
 </file>
 
 <file path=customXml/itemProps1.xml><?xml version="1.0" encoding="utf-8"?>
-<ds:datastoreItem xmlns:ds="http://schemas.openxmlformats.org/officeDocument/2006/customXml" ds:itemID="{927BD4C1-B6B1-4715-ABF9-E660A51A4EA0}">
-  <ds:schemaRefs>
-    <ds:schemaRef ds:uri="http://schemas.microsoft.com/sharepoint/v3/contenttype/forms"/>
-  </ds:schemaRefs>
-</ds:datastoreItem>
-</file>
-
-<file path=customXml/itemProps2.xml><?xml version="1.0" encoding="utf-8"?>
 <ds:datastoreItem xmlns:ds="http://schemas.openxmlformats.org/officeDocument/2006/customXml" ds:itemID="{8D289AE2-D2AE-49D1-AFAC-3A79F6794255}">
   <ds:schemaRefs>
     <ds:schemaRef ds:uri="http://purl.org/dc/terms/"/>
@@ -10369,6 +10458,14 @@
     <ds:schemaRef ds:uri="9162bd5b-4ed9-4da3-b376-05204580ba3f"/>
     <ds:schemaRef ds:uri="http://www.w3.org/XML/1998/namespace"/>
     <ds:schemaRef ds:uri="http://purl.org/dc/dcmitype/"/>
+  </ds:schemaRefs>
+</ds:datastoreItem>
+</file>
+
+<file path=customXml/itemProps2.xml><?xml version="1.0" encoding="utf-8"?>
+<ds:datastoreItem xmlns:ds="http://schemas.openxmlformats.org/officeDocument/2006/customXml" ds:itemID="{927BD4C1-B6B1-4715-ABF9-E660A51A4EA0}">
+  <ds:schemaRefs>
+    <ds:schemaRef ds:uri="http://schemas.microsoft.com/sharepoint/v3/contenttype/forms"/>
   </ds:schemaRefs>
 </ds:datastoreItem>
 </file>

--- a/Digital Portfolio.pptx
+++ b/Digital Portfolio.pptx
@@ -151,7 +151,7 @@
 <file path=ppt/revisionInfo.xml><?xml version="1.0" encoding="utf-8"?>
 <p1510:revInfo xmlns:a="http://schemas.openxmlformats.org/drawingml/2006/main" xmlns:r="http://schemas.openxmlformats.org/officeDocument/2006/relationships" xmlns:p1510="http://schemas.microsoft.com/office/powerpoint/2015/10/main">
   <p1510:revLst>
-    <p1510:client id="{BCDA5F66-89AD-4272-B867-E4AC2978CC1D}" v="4" dt="2025-09-22T11:40:54.538"/>
+    <p1510:client id="{BCDA5F66-89AD-4272-B867-E4AC2978CC1D}" v="7" dt="2025-09-24T12:44:04.368"/>
   </p1510:revLst>
 </p1510:revInfo>
 </file>
@@ -161,7 +161,7 @@
   <pc:docChgLst>
     <pc:chgData name="Satyasree Chakka" userId="56cea213fd73e2d6" providerId="LiveId" clId="{28CAE4CB-9525-4D18-94C0-A694F60535FC}"/>
     <pc:docChg chg="modSld">
-      <pc:chgData name="Satyasree Chakka" userId="56cea213fd73e2d6" providerId="LiveId" clId="{28CAE4CB-9525-4D18-94C0-A694F60535FC}" dt="2025-09-22T11:41:01.609" v="46" actId="113"/>
+      <pc:chgData name="Satyasree Chakka" userId="56cea213fd73e2d6" providerId="LiveId" clId="{28CAE4CB-9525-4D18-94C0-A694F60535FC}" dt="2025-09-24T12:44:01.066" v="120" actId="255"/>
       <pc:docMkLst>
         <pc:docMk/>
       </pc:docMkLst>
@@ -196,13 +196,13 @@
         </pc:spChg>
       </pc:sldChg>
       <pc:sldChg chg="modSp mod">
-        <pc:chgData name="Satyasree Chakka" userId="56cea213fd73e2d6" providerId="LiveId" clId="{28CAE4CB-9525-4D18-94C0-A694F60535FC}" dt="2025-09-22T11:41:01.609" v="46" actId="113"/>
+        <pc:chgData name="Satyasree Chakka" userId="56cea213fd73e2d6" providerId="LiveId" clId="{28CAE4CB-9525-4D18-94C0-A694F60535FC}" dt="2025-09-24T12:44:01.066" v="120" actId="255"/>
         <pc:sldMkLst>
           <pc:docMk/>
           <pc:sldMk cId="215545497" sldId="2146847069"/>
         </pc:sldMkLst>
         <pc:spChg chg="mod">
-          <ac:chgData name="Satyasree Chakka" userId="56cea213fd73e2d6" providerId="LiveId" clId="{28CAE4CB-9525-4D18-94C0-A694F60535FC}" dt="2025-09-22T11:41:01.609" v="46" actId="113"/>
+          <ac:chgData name="Satyasree Chakka" userId="56cea213fd73e2d6" providerId="LiveId" clId="{28CAE4CB-9525-4D18-94C0-A694F60535FC}" dt="2025-09-24T12:44:01.066" v="120" actId="255"/>
           <ac:spMkLst>
             <pc:docMk/>
             <pc:sldMk cId="215545497" sldId="2146847069"/>
@@ -297,7 +297,7 @@
           <a:p>
             <a:fld id="{46256A78-79A6-408F-8148-4F87BB81602D}" type="datetimeFigureOut">
               <a:rPr lang="en-IN" smtClean="0"/>
-              <a:t>22-09-2025</a:t>
+              <a:t>24-09-2025</a:t>
             </a:fld>
             <a:endParaRPr lang="en-IN"/>
           </a:p>
@@ -801,7 +801,7 @@
           <a:p>
             <a:fld id="{ED291B17-9318-49DB-B28B-6E5994AE9581}" type="datetime1">
               <a:rPr lang="en-US" smtClean="0"/>
-              <a:t>9/22/2025</a:t>
+              <a:t>9/24/2025</a:t>
             </a:fld>
             <a:endParaRPr lang="en-US"/>
           </a:p>
@@ -1010,7 +1010,7 @@
           <a:p>
             <a:fld id="{2CED4963-E985-44C4-B8C4-FDD613B7C2F8}" type="datetime1">
               <a:rPr lang="en-US" smtClean="0"/>
-              <a:t>9/22/2025</a:t>
+              <a:t>9/24/2025</a:t>
             </a:fld>
             <a:endParaRPr lang="en-US"/>
           </a:p>
@@ -1378,7 +1378,7 @@
           <a:p>
             <a:fld id="{ED291B17-9318-49DB-B28B-6E5994AE9581}" type="datetime1">
               <a:rPr lang="en-US" smtClean="0"/>
-              <a:t>9/22/2025</a:t>
+              <a:t>9/24/2025</a:t>
             </a:fld>
             <a:endParaRPr lang="en-US"/>
           </a:p>
@@ -1582,7 +1582,7 @@
           <a:p>
             <a:fld id="{78DD82B9-B8EE-4375-B6FF-88FA6ABB15D9}" type="datetime1">
               <a:rPr lang="en-US" smtClean="0"/>
-              <a:t>9/22/2025</a:t>
+              <a:t>9/24/2025</a:t>
             </a:fld>
             <a:endParaRPr lang="en-US"/>
           </a:p>
@@ -1839,7 +1839,7 @@
           <a:p>
             <a:fld id="{B2497495-0637-405E-AE64-5CC7506D51F5}" type="datetime1">
               <a:rPr lang="en-US" smtClean="0"/>
-              <a:t>9/22/2025</a:t>
+              <a:t>9/24/2025</a:t>
             </a:fld>
             <a:endParaRPr lang="en-US"/>
           </a:p>
@@ -2097,7 +2097,7 @@
           <a:p>
             <a:fld id="{7BFFD690-9426-415D-8B65-26881E07B2D4}" type="datetime1">
               <a:rPr lang="en-US" smtClean="0"/>
-              <a:t>9/22/2025</a:t>
+              <a:t>9/24/2025</a:t>
             </a:fld>
             <a:endParaRPr lang="en-US"/>
           </a:p>
@@ -2524,7 +2524,7 @@
           <a:p>
             <a:fld id="{04C4989A-474C-40DE-95B9-011C28B71673}" type="datetime1">
               <a:rPr lang="en-US" smtClean="0"/>
-              <a:t>9/22/2025</a:t>
+              <a:t>9/24/2025</a:t>
             </a:fld>
             <a:endParaRPr lang="en-US"/>
           </a:p>
@@ -2654,7 +2654,7 @@
           <a:p>
             <a:fld id="{5DB4ED54-5B5E-4A04-93D3-5772E3CE3818}" type="datetime1">
               <a:rPr lang="en-US" smtClean="0"/>
-              <a:t>9/22/2025</a:t>
+              <a:t>9/24/2025</a:t>
             </a:fld>
             <a:endParaRPr lang="en-US"/>
           </a:p>
@@ -2757,7 +2757,7 @@
           <a:p>
             <a:fld id="{4EDE50D6-574B-40AF-946F-D52A04ADE379}" type="datetime1">
               <a:rPr lang="en-US" smtClean="0"/>
-              <a:t>9/22/2025</a:t>
+              <a:t>9/24/2025</a:t>
             </a:fld>
             <a:endParaRPr lang="en-US"/>
           </a:p>
@@ -3140,7 +3140,7 @@
           <a:p>
             <a:fld id="{D82884F1-FFEA-405F-9602-3DCA865EDA4E}" type="datetime1">
               <a:rPr lang="en-US" smtClean="0"/>
-              <a:t>9/22/2025</a:t>
+              <a:t>9/24/2025</a:t>
             </a:fld>
             <a:endParaRPr lang="en-US"/>
           </a:p>
@@ -3434,7 +3434,7 @@
           <a:p>
             <a:fld id="{7E18DB4A-8810-4A10-AD5C-D5E2C667F5B3}" type="datetime1">
               <a:rPr lang="en-US" smtClean="0"/>
-              <a:t>9/22/2025</a:t>
+              <a:t>9/24/2025</a:t>
             </a:fld>
             <a:endParaRPr lang="en-US"/>
           </a:p>
@@ -3655,7 +3655,7 @@
           <a:p>
             <a:fld id="{ED291B17-9318-49DB-B28B-6E5994AE9581}" type="datetime1">
               <a:rPr lang="en-US" smtClean="0"/>
-              <a:t>9/22/2025</a:t>
+              <a:t>9/24/2025</a:t>
             </a:fld>
             <a:endParaRPr lang="en-US"/>
           </a:p>
@@ -5409,27 +5409,32 @@
           <a:lstStyle/>
           <a:p>
             <a:r>
-              <a:rPr lang="en-IN" sz="3600" b="1" dirty="0">
-                <a:latin typeface="Calibri" panose="020F0502020204030204" pitchFamily="34" charset="0"/>
-                <a:ea typeface="Calibri" panose="020F0502020204030204" pitchFamily="34" charset="0"/>
-                <a:cs typeface="Calibri" panose="020F0502020204030204" pitchFamily="34" charset="0"/>
-              </a:rPr>
-              <a:t>GitHub Link </a:t>
+              <a:rPr lang="en-IN" sz="3200" b="1" dirty="0">
+                <a:latin typeface="Calibri" panose="020F0502020204030204" pitchFamily="34" charset="0"/>
+                <a:ea typeface="Calibri" panose="020F0502020204030204" pitchFamily="34" charset="0"/>
+                <a:cs typeface="Calibri" panose="020F0502020204030204" pitchFamily="34" charset="0"/>
+              </a:rPr>
+              <a:t>GitHub Link</a:t>
+            </a:r>
+            <a:r>
+              <a:rPr lang="en-IN" sz="2800" b="1" dirty="0">
+                <a:latin typeface="Calibri" panose="020F0502020204030204" pitchFamily="34" charset="0"/>
+                <a:ea typeface="Calibri" panose="020F0502020204030204" pitchFamily="34" charset="0"/>
+                <a:cs typeface="Calibri" panose="020F0502020204030204" pitchFamily="34" charset="0"/>
+              </a:rPr>
+              <a:t> </a:t>
             </a:r>
             <a:r>
               <a:rPr lang="en-IN" dirty="0"/>
               <a:t>: </a:t>
             </a:r>
             <a:r>
-              <a:rPr lang="en-IN" sz="3200" dirty="0">
-                <a:latin typeface="Calibri" panose="020F0502020204030204" pitchFamily="34" charset="0"/>
-                <a:ea typeface="Calibri" panose="020F0502020204030204" pitchFamily="34" charset="0"/>
-                <a:cs typeface="Calibri" panose="020F0502020204030204" pitchFamily="34" charset="0"/>
+              <a:rPr lang="en-IN" sz="2800" dirty="0">
                 <a:hlinkClick r:id="rId2"/>
               </a:rPr>
-              <a:t>https://github.com/Chsatyasree3/portfolio</a:t>
-            </a:r>
-            <a:endParaRPr lang="en-IN" sz="3200" dirty="0">
+              <a:t>https://github.com/Chsatyasree3/portfolio.git</a:t>
+            </a:r>
+            <a:endParaRPr lang="en-IN" sz="2800" dirty="0">
               <a:latin typeface="Calibri" panose="020F0502020204030204" pitchFamily="34" charset="0"/>
               <a:ea typeface="Calibri" panose="020F0502020204030204" pitchFamily="34" charset="0"/>
               <a:cs typeface="Calibri" panose="020F0502020204030204" pitchFamily="34" charset="0"/>
@@ -5442,10 +5447,10 @@
                 <a:ea typeface="Calibri" panose="020F0502020204030204" pitchFamily="34" charset="0"/>
                 <a:cs typeface="Calibri" panose="020F0502020204030204" pitchFamily="34" charset="0"/>
               </a:rPr>
-              <a:t>Project Link : </a:t>
-            </a:r>
-            <a:r>
-              <a:rPr lang="en-IN" sz="3200" dirty="0">
+              <a:t>Deployment Link : </a:t>
+            </a:r>
+            <a:r>
+              <a:rPr lang="en-IN" sz="2800" dirty="0">
                 <a:latin typeface="Calibri" panose="020F0502020204030204" pitchFamily="34" charset="0"/>
                 <a:ea typeface="Calibri" panose="020F0502020204030204" pitchFamily="34" charset="0"/>
                 <a:cs typeface="Calibri" panose="020F0502020204030204" pitchFamily="34" charset="0"/>
@@ -5453,7 +5458,7 @@
               </a:rPr>
               <a:t>https://chsatyasree3.github.io/portfolio/</a:t>
             </a:r>
-            <a:endParaRPr lang="en-IN" sz="3200" dirty="0">
+            <a:endParaRPr lang="en-IN" sz="2800" dirty="0">
               <a:latin typeface="Calibri" panose="020F0502020204030204" pitchFamily="34" charset="0"/>
               <a:ea typeface="Calibri" panose="020F0502020204030204" pitchFamily="34" charset="0"/>
               <a:cs typeface="Calibri" panose="020F0502020204030204" pitchFamily="34" charset="0"/>
@@ -10181,21 +10186,21 @@
 </file>
 
 <file path=customXml/item1.xml><?xml version="1.0" encoding="utf-8"?>
+<?mso-contentType ?>
+<FormTemplates xmlns="http://schemas.microsoft.com/sharepoint/v3/contenttype/forms">
+  <Display>DocumentLibraryForm</Display>
+  <Edit>DocumentLibraryForm</Edit>
+  <New>DocumentLibraryForm</New>
+</FormTemplates>
+</file>
+
+<file path=customXml/item2.xml><?xml version="1.0" encoding="utf-8"?>
 <p:properties xmlns:p="http://schemas.microsoft.com/office/2006/metadata/properties" xmlns:xsi="http://www.w3.org/2001/XMLSchema-instance" xmlns:pc="http://schemas.microsoft.com/office/infopath/2007/PartnerControls">
   <documentManagement>
     <MediaServiceKeyPoints xmlns="9162bd5b-4ed9-4da3-b376-05204580ba3f" xsi:nil="true"/>
     <_activity xmlns="9162bd5b-4ed9-4da3-b376-05204580ba3f" xsi:nil="true"/>
   </documentManagement>
 </p:properties>
-</file>
-
-<file path=customXml/item2.xml><?xml version="1.0" encoding="utf-8"?>
-<?mso-contentType ?>
-<FormTemplates xmlns="http://schemas.microsoft.com/sharepoint/v3/contenttype/forms">
-  <Display>DocumentLibraryForm</Display>
-  <Edit>DocumentLibraryForm</Edit>
-  <New>DocumentLibraryForm</New>
-</FormTemplates>
 </file>
 
 <file path=customXml/item3.xml><?xml version="1.0" encoding="utf-8"?>
@@ -10446,6 +10451,14 @@
 </file>
 
 <file path=customXml/itemProps1.xml><?xml version="1.0" encoding="utf-8"?>
+<ds:datastoreItem xmlns:ds="http://schemas.openxmlformats.org/officeDocument/2006/customXml" ds:itemID="{927BD4C1-B6B1-4715-ABF9-E660A51A4EA0}">
+  <ds:schemaRefs>
+    <ds:schemaRef ds:uri="http://schemas.microsoft.com/sharepoint/v3/contenttype/forms"/>
+  </ds:schemaRefs>
+</ds:datastoreItem>
+</file>
+
+<file path=customXml/itemProps2.xml><?xml version="1.0" encoding="utf-8"?>
 <ds:datastoreItem xmlns:ds="http://schemas.openxmlformats.org/officeDocument/2006/customXml" ds:itemID="{8D289AE2-D2AE-49D1-AFAC-3A79F6794255}">
   <ds:schemaRefs>
     <ds:schemaRef ds:uri="http://purl.org/dc/terms/"/>
@@ -10458,14 +10471,6 @@
     <ds:schemaRef ds:uri="9162bd5b-4ed9-4da3-b376-05204580ba3f"/>
     <ds:schemaRef ds:uri="http://www.w3.org/XML/1998/namespace"/>
     <ds:schemaRef ds:uri="http://purl.org/dc/dcmitype/"/>
-  </ds:schemaRefs>
-</ds:datastoreItem>
-</file>
-
-<file path=customXml/itemProps2.xml><?xml version="1.0" encoding="utf-8"?>
-<ds:datastoreItem xmlns:ds="http://schemas.openxmlformats.org/officeDocument/2006/customXml" ds:itemID="{927BD4C1-B6B1-4715-ABF9-E660A51A4EA0}">
-  <ds:schemaRefs>
-    <ds:schemaRef ds:uri="http://schemas.microsoft.com/sharepoint/v3/contenttype/forms"/>
   </ds:schemaRefs>
 </ds:datastoreItem>
 </file>
